--- a/Presentation/Capstone Presentation.pptx
+++ b/Presentation/Capstone Presentation.pptx
@@ -2955,6 +2955,7 @@
         <c:minorTickMark val="none"/>
         <c:tickLblPos val="nextTo"/>
         <c:crossAx val="1804149152"/>
+        <c:crosses val="autoZero"/>
         <c:auto val="1"/>
         <c:lblAlgn val="ctr"/>
         <c:lblOffset val="100"/>
@@ -8440,6 +8441,7 @@
         <c:minorTickMark val="none"/>
         <c:tickLblPos val="nextTo"/>
         <c:crossAx val="1773610160"/>
+        <c:crosses val="autoZero"/>
         <c:auto val="1"/>
         <c:lblAlgn val="ctr"/>
         <c:lblOffset val="100"/>
@@ -19051,7 +19053,7 @@
           <a:p>
             <a:fld id="{A0444A7B-5EDC-4FA3-827F-D29A8269D9F1}" type="datetimeFigureOut">
               <a:rPr lang="en-US" smtClean="0"/>
-              <a:t>12/17/2021</a:t>
+              <a:t>12/27/2021</a:t>
             </a:fld>
             <a:endParaRPr lang="en-US"/>
           </a:p>
@@ -19338,7 +19340,7 @@
           <a:p>
             <a:fld id="{A0444A7B-5EDC-4FA3-827F-D29A8269D9F1}" type="datetimeFigureOut">
               <a:rPr lang="en-US" smtClean="0"/>
-              <a:t>12/17/2021</a:t>
+              <a:t>12/27/2021</a:t>
             </a:fld>
             <a:endParaRPr lang="en-US"/>
           </a:p>
@@ -19530,7 +19532,7 @@
           <a:p>
             <a:fld id="{A0444A7B-5EDC-4FA3-827F-D29A8269D9F1}" type="datetimeFigureOut">
               <a:rPr lang="en-US" smtClean="0"/>
-              <a:t>12/17/2021</a:t>
+              <a:t>12/27/2021</a:t>
             </a:fld>
             <a:endParaRPr lang="en-US"/>
           </a:p>
@@ -19791,7 +19793,7 @@
           <a:p>
             <a:fld id="{A0444A7B-5EDC-4FA3-827F-D29A8269D9F1}" type="datetimeFigureOut">
               <a:rPr lang="en-US" smtClean="0"/>
-              <a:t>12/17/2021</a:t>
+              <a:t>12/27/2021</a:t>
             </a:fld>
             <a:endParaRPr lang="en-US"/>
           </a:p>
@@ -20215,7 +20217,7 @@
           <a:p>
             <a:fld id="{A0444A7B-5EDC-4FA3-827F-D29A8269D9F1}" type="datetimeFigureOut">
               <a:rPr lang="en-US" smtClean="0"/>
-              <a:t>12/17/2021</a:t>
+              <a:t>12/27/2021</a:t>
             </a:fld>
             <a:endParaRPr lang="en-US"/>
           </a:p>
@@ -20761,7 +20763,7 @@
           <a:p>
             <a:fld id="{A0444A7B-5EDC-4FA3-827F-D29A8269D9F1}" type="datetimeFigureOut">
               <a:rPr lang="en-US" smtClean="0"/>
-              <a:t>12/17/2021</a:t>
+              <a:t>12/27/2021</a:t>
             </a:fld>
             <a:endParaRPr lang="en-US"/>
           </a:p>
@@ -21601,7 +21603,7 @@
           <a:p>
             <a:fld id="{A0444A7B-5EDC-4FA3-827F-D29A8269D9F1}" type="datetimeFigureOut">
               <a:rPr lang="en-US" smtClean="0"/>
-              <a:t>12/17/2021</a:t>
+              <a:t>12/27/2021</a:t>
             </a:fld>
             <a:endParaRPr lang="en-US"/>
           </a:p>
@@ -21771,7 +21773,7 @@
           <a:p>
             <a:fld id="{A0444A7B-5EDC-4FA3-827F-D29A8269D9F1}" type="datetimeFigureOut">
               <a:rPr lang="en-US" smtClean="0"/>
-              <a:t>12/17/2021</a:t>
+              <a:t>12/27/2021</a:t>
             </a:fld>
             <a:endParaRPr lang="en-US"/>
           </a:p>
@@ -21955,7 +21957,7 @@
           <a:p>
             <a:fld id="{A0444A7B-5EDC-4FA3-827F-D29A8269D9F1}" type="datetimeFigureOut">
               <a:rPr lang="en-US" smtClean="0"/>
-              <a:t>12/17/2021</a:t>
+              <a:t>12/27/2021</a:t>
             </a:fld>
             <a:endParaRPr lang="en-US"/>
           </a:p>
@@ -22125,7 +22127,7 @@
           <a:p>
             <a:fld id="{A0444A7B-5EDC-4FA3-827F-D29A8269D9F1}" type="datetimeFigureOut">
               <a:rPr lang="en-US" smtClean="0"/>
-              <a:t>12/17/2021</a:t>
+              <a:t>12/27/2021</a:t>
             </a:fld>
             <a:endParaRPr lang="en-US"/>
           </a:p>
@@ -22373,7 +22375,7 @@
           <a:p>
             <a:fld id="{A0444A7B-5EDC-4FA3-827F-D29A8269D9F1}" type="datetimeFigureOut">
               <a:rPr lang="en-US" smtClean="0"/>
-              <a:t>12/17/2021</a:t>
+              <a:t>12/27/2021</a:t>
             </a:fld>
             <a:endParaRPr lang="en-US"/>
           </a:p>
@@ -22610,7 +22612,7 @@
           <a:p>
             <a:fld id="{A0444A7B-5EDC-4FA3-827F-D29A8269D9F1}" type="datetimeFigureOut">
               <a:rPr lang="en-US" smtClean="0"/>
-              <a:t>12/17/2021</a:t>
+              <a:t>12/27/2021</a:t>
             </a:fld>
             <a:endParaRPr lang="en-US"/>
           </a:p>
@@ -22983,7 +22985,7 @@
           <a:p>
             <a:fld id="{A0444A7B-5EDC-4FA3-827F-D29A8269D9F1}" type="datetimeFigureOut">
               <a:rPr lang="en-US" smtClean="0"/>
-              <a:t>12/17/2021</a:t>
+              <a:t>12/27/2021</a:t>
             </a:fld>
             <a:endParaRPr lang="en-US"/>
           </a:p>
@@ -23101,7 +23103,7 @@
           <a:p>
             <a:fld id="{A0444A7B-5EDC-4FA3-827F-D29A8269D9F1}" type="datetimeFigureOut">
               <a:rPr lang="en-US" smtClean="0"/>
-              <a:t>12/17/2021</a:t>
+              <a:t>12/27/2021</a:t>
             </a:fld>
             <a:endParaRPr lang="en-US"/>
           </a:p>
@@ -23196,7 +23198,7 @@
           <a:p>
             <a:fld id="{A0444A7B-5EDC-4FA3-827F-D29A8269D9F1}" type="datetimeFigureOut">
               <a:rPr lang="en-US" smtClean="0"/>
-              <a:t>12/17/2021</a:t>
+              <a:t>12/27/2021</a:t>
             </a:fld>
             <a:endParaRPr lang="en-US"/>
           </a:p>
@@ -23447,7 +23449,7 @@
           <a:p>
             <a:fld id="{A0444A7B-5EDC-4FA3-827F-D29A8269D9F1}" type="datetimeFigureOut">
               <a:rPr lang="en-US" smtClean="0"/>
-              <a:t>12/17/2021</a:t>
+              <a:t>12/27/2021</a:t>
             </a:fld>
             <a:endParaRPr lang="en-US"/>
           </a:p>
@@ -23734,7 +23736,7 @@
           <a:p>
             <a:fld id="{A0444A7B-5EDC-4FA3-827F-D29A8269D9F1}" type="datetimeFigureOut">
               <a:rPr lang="en-US" smtClean="0"/>
-              <a:t>12/17/2021</a:t>
+              <a:t>12/27/2021</a:t>
             </a:fld>
             <a:endParaRPr lang="en-US"/>
           </a:p>
@@ -23947,7 +23949,7 @@
           <a:p>
             <a:fld id="{A0444A7B-5EDC-4FA3-827F-D29A8269D9F1}" type="datetimeFigureOut">
               <a:rPr lang="en-US" smtClean="0"/>
-              <a:t>12/17/2021</a:t>
+              <a:t>12/27/2021</a:t>
             </a:fld>
             <a:endParaRPr lang="en-US"/>
           </a:p>

--- a/Presentation/Capstone Presentation.pptx
+++ b/Presentation/Capstone Presentation.pptx
@@ -8646,7 +8646,7 @@
               <c:idx val="2"/>
               <c:layout>
                 <c:manualLayout>
-                  <c:x val="6.6398649650139243E-3"/>
+                  <c:x val="-3.3199324825069622E-3"/>
                   <c:y val="-3.5070787069925488E-2"/>
                 </c:manualLayout>
               </c:layout>
@@ -19053,7 +19053,7 @@
           <a:p>
             <a:fld id="{A0444A7B-5EDC-4FA3-827F-D29A8269D9F1}" type="datetimeFigureOut">
               <a:rPr lang="en-US" smtClean="0"/>
-              <a:t>12/27/2021</a:t>
+              <a:t>1/4/2022</a:t>
             </a:fld>
             <a:endParaRPr lang="en-US"/>
           </a:p>
@@ -19340,7 +19340,7 @@
           <a:p>
             <a:fld id="{A0444A7B-5EDC-4FA3-827F-D29A8269D9F1}" type="datetimeFigureOut">
               <a:rPr lang="en-US" smtClean="0"/>
-              <a:t>12/27/2021</a:t>
+              <a:t>1/4/2022</a:t>
             </a:fld>
             <a:endParaRPr lang="en-US"/>
           </a:p>
@@ -19532,7 +19532,7 @@
           <a:p>
             <a:fld id="{A0444A7B-5EDC-4FA3-827F-D29A8269D9F1}" type="datetimeFigureOut">
               <a:rPr lang="en-US" smtClean="0"/>
-              <a:t>12/27/2021</a:t>
+              <a:t>1/4/2022</a:t>
             </a:fld>
             <a:endParaRPr lang="en-US"/>
           </a:p>
@@ -19793,7 +19793,7 @@
           <a:p>
             <a:fld id="{A0444A7B-5EDC-4FA3-827F-D29A8269D9F1}" type="datetimeFigureOut">
               <a:rPr lang="en-US" smtClean="0"/>
-              <a:t>12/27/2021</a:t>
+              <a:t>1/4/2022</a:t>
             </a:fld>
             <a:endParaRPr lang="en-US"/>
           </a:p>
@@ -20217,7 +20217,7 @@
           <a:p>
             <a:fld id="{A0444A7B-5EDC-4FA3-827F-D29A8269D9F1}" type="datetimeFigureOut">
               <a:rPr lang="en-US" smtClean="0"/>
-              <a:t>12/27/2021</a:t>
+              <a:t>1/4/2022</a:t>
             </a:fld>
             <a:endParaRPr lang="en-US"/>
           </a:p>
@@ -20763,7 +20763,7 @@
           <a:p>
             <a:fld id="{A0444A7B-5EDC-4FA3-827F-D29A8269D9F1}" type="datetimeFigureOut">
               <a:rPr lang="en-US" smtClean="0"/>
-              <a:t>12/27/2021</a:t>
+              <a:t>1/4/2022</a:t>
             </a:fld>
             <a:endParaRPr lang="en-US"/>
           </a:p>
@@ -21603,7 +21603,7 @@
           <a:p>
             <a:fld id="{A0444A7B-5EDC-4FA3-827F-D29A8269D9F1}" type="datetimeFigureOut">
               <a:rPr lang="en-US" smtClean="0"/>
-              <a:t>12/27/2021</a:t>
+              <a:t>1/4/2022</a:t>
             </a:fld>
             <a:endParaRPr lang="en-US"/>
           </a:p>
@@ -21773,7 +21773,7 @@
           <a:p>
             <a:fld id="{A0444A7B-5EDC-4FA3-827F-D29A8269D9F1}" type="datetimeFigureOut">
               <a:rPr lang="en-US" smtClean="0"/>
-              <a:t>12/27/2021</a:t>
+              <a:t>1/4/2022</a:t>
             </a:fld>
             <a:endParaRPr lang="en-US"/>
           </a:p>
@@ -21957,7 +21957,7 @@
           <a:p>
             <a:fld id="{A0444A7B-5EDC-4FA3-827F-D29A8269D9F1}" type="datetimeFigureOut">
               <a:rPr lang="en-US" smtClean="0"/>
-              <a:t>12/27/2021</a:t>
+              <a:t>1/4/2022</a:t>
             </a:fld>
             <a:endParaRPr lang="en-US"/>
           </a:p>
@@ -22127,7 +22127,7 @@
           <a:p>
             <a:fld id="{A0444A7B-5EDC-4FA3-827F-D29A8269D9F1}" type="datetimeFigureOut">
               <a:rPr lang="en-US" smtClean="0"/>
-              <a:t>12/27/2021</a:t>
+              <a:t>1/4/2022</a:t>
             </a:fld>
             <a:endParaRPr lang="en-US"/>
           </a:p>
@@ -22375,7 +22375,7 @@
           <a:p>
             <a:fld id="{A0444A7B-5EDC-4FA3-827F-D29A8269D9F1}" type="datetimeFigureOut">
               <a:rPr lang="en-US" smtClean="0"/>
-              <a:t>12/27/2021</a:t>
+              <a:t>1/4/2022</a:t>
             </a:fld>
             <a:endParaRPr lang="en-US"/>
           </a:p>
@@ -22612,7 +22612,7 @@
           <a:p>
             <a:fld id="{A0444A7B-5EDC-4FA3-827F-D29A8269D9F1}" type="datetimeFigureOut">
               <a:rPr lang="en-US" smtClean="0"/>
-              <a:t>12/27/2021</a:t>
+              <a:t>1/4/2022</a:t>
             </a:fld>
             <a:endParaRPr lang="en-US"/>
           </a:p>
@@ -22985,7 +22985,7 @@
           <a:p>
             <a:fld id="{A0444A7B-5EDC-4FA3-827F-D29A8269D9F1}" type="datetimeFigureOut">
               <a:rPr lang="en-US" smtClean="0"/>
-              <a:t>12/27/2021</a:t>
+              <a:t>1/4/2022</a:t>
             </a:fld>
             <a:endParaRPr lang="en-US"/>
           </a:p>
@@ -23103,7 +23103,7 @@
           <a:p>
             <a:fld id="{A0444A7B-5EDC-4FA3-827F-D29A8269D9F1}" type="datetimeFigureOut">
               <a:rPr lang="en-US" smtClean="0"/>
-              <a:t>12/27/2021</a:t>
+              <a:t>1/4/2022</a:t>
             </a:fld>
             <a:endParaRPr lang="en-US"/>
           </a:p>
@@ -23198,7 +23198,7 @@
           <a:p>
             <a:fld id="{A0444A7B-5EDC-4FA3-827F-D29A8269D9F1}" type="datetimeFigureOut">
               <a:rPr lang="en-US" smtClean="0"/>
-              <a:t>12/27/2021</a:t>
+              <a:t>1/4/2022</a:t>
             </a:fld>
             <a:endParaRPr lang="en-US"/>
           </a:p>
@@ -23449,7 +23449,7 @@
           <a:p>
             <a:fld id="{A0444A7B-5EDC-4FA3-827F-D29A8269D9F1}" type="datetimeFigureOut">
               <a:rPr lang="en-US" smtClean="0"/>
-              <a:t>12/27/2021</a:t>
+              <a:t>1/4/2022</a:t>
             </a:fld>
             <a:endParaRPr lang="en-US"/>
           </a:p>
@@ -23736,7 +23736,7 @@
           <a:p>
             <a:fld id="{A0444A7B-5EDC-4FA3-827F-D29A8269D9F1}" type="datetimeFigureOut">
               <a:rPr lang="en-US" smtClean="0"/>
-              <a:t>12/27/2021</a:t>
+              <a:t>1/4/2022</a:t>
             </a:fld>
             <a:endParaRPr lang="en-US"/>
           </a:p>
@@ -23949,7 +23949,7 @@
           <a:p>
             <a:fld id="{A0444A7B-5EDC-4FA3-827F-D29A8269D9F1}" type="datetimeFigureOut">
               <a:rPr lang="en-US" smtClean="0"/>
-              <a:t>12/27/2021</a:t>
+              <a:t>1/4/2022</a:t>
             </a:fld>
             <a:endParaRPr lang="en-US"/>
           </a:p>
@@ -26486,7 +26486,19 @@
               <a:rPr lang="en-US" b="0" i="0" dirty="0">
                 <a:effectLst/>
               </a:rPr>
-              <a:t>able to pull data until November 14</a:t>
+              <a:t>able to pull data from January 1</a:t>
+            </a:r>
+            <a:r>
+              <a:rPr lang="en-US" b="0" i="0" baseline="30000" dirty="0">
+                <a:effectLst/>
+              </a:rPr>
+              <a:t>st</a:t>
+            </a:r>
+            <a:r>
+              <a:rPr lang="en-US" b="0" i="0" dirty="0">
+                <a:effectLst/>
+              </a:rPr>
+              <a:t> until November 14</a:t>
             </a:r>
             <a:r>
               <a:rPr lang="en-US" b="0" i="0" baseline="30000" dirty="0">
@@ -26528,7 +26540,7 @@
             </a:pPr>
             <a:r>
               <a:rPr lang="en-US" dirty="0"/>
-              <a:t> Reports were filtered by their National Incident-Based Reporting System (NIBRS), Tennessee Incident-Based Report System (TIBRS), or MNPD report codes.  This allowed crimes to be sorted into their respective categories (assault, theft, burglary, etc.)</a:t>
+              <a:t> Reports were filtered by their National Incident-Based Reporting System (NIBRS), Tennessee Incident-Based Report System (TIBRS), or MNPD report codes.  This allowed crimes to be sorted into their respective categories (assault, theft, burglary, etc.).</a:t>
             </a:r>
           </a:p>
           <a:p>
@@ -26553,7 +26565,7 @@
                 <a:ea typeface="Calibri" panose="020F0502020204030204" pitchFamily="34" charset="0"/>
                 <a:cs typeface="Times New Roman" panose="02020603050405020304" pitchFamily="18" charset="0"/>
               </a:rPr>
-              <a:t>data beginning on March 5</a:t>
+              <a:t>case data beginning on March 5</a:t>
             </a:r>
             <a:r>
               <a:rPr lang="en-US" baseline="30000" dirty="0">
@@ -27990,7 +28002,7 @@
             <p:ph idx="1"/>
             <p:extLst>
               <p:ext uri="{D42A27DB-BD31-4B8C-83A1-F6EECF244321}">
-                <p14:modId xmlns:p14="http://schemas.microsoft.com/office/powerpoint/2010/main" val="3520530616"/>
+                <p14:modId xmlns:p14="http://schemas.microsoft.com/office/powerpoint/2010/main" val="2932190978"/>
               </p:ext>
             </p:extLst>
           </p:nvPr>
